--- a/docs/Apresentação Padrão.pptx
+++ b/docs/Apresentação Padrão.pptx
@@ -5,11 +5,12 @@
     <p:sldMasterId id="2147483659" r:id="rId1"/>
   </p:sldMasterIdLst>
   <p:notesMasterIdLst>
-    <p:notesMasterId r:id="rId4"/>
+    <p:notesMasterId r:id="rId5"/>
   </p:notesMasterIdLst>
   <p:sldIdLst>
     <p:sldId id="256" r:id="rId2"/>
     <p:sldId id="257" r:id="rId3"/>
+    <p:sldId id="258" r:id="rId4"/>
   </p:sldIdLst>
   <p:sldSz cx="9144000" cy="6858000" type="screen4x3"/>
   <p:notesSz cx="6858000" cy="9144000"/>
@@ -14065,7 +14066,7 @@
         </p:blipFill>
         <p:spPr>
           <a:xfrm>
-            <a:off x="0" y="0"/>
+            <a:off x="-54260" y="-49696"/>
             <a:ext cx="9252520" cy="6957392"/>
           </a:xfrm>
           <a:prstGeom prst="rect">
@@ -14134,7 +14135,7 @@
         </p:nvSpPr>
         <p:spPr>
           <a:xfrm>
-            <a:off x="3077309" y="3020273"/>
+            <a:off x="3059725" y="2967521"/>
             <a:ext cx="2883876" cy="1954381"/>
           </a:xfrm>
           <a:prstGeom prst="rect">
@@ -14200,8 +14201,8 @@
         </p:nvSpPr>
         <p:spPr>
           <a:xfrm>
-            <a:off x="6286500" y="1294693"/>
-            <a:ext cx="2435468" cy="600164"/>
+            <a:off x="6137035" y="1189188"/>
+            <a:ext cx="2435468" cy="769441"/>
           </a:xfrm>
           <a:prstGeom prst="rect">
             <a:avLst/>
@@ -14217,7 +14218,7 @@
             <a:pPr algn="just"/>
             <a:r>
               <a:rPr lang="pt-BR" sz="1100" dirty="0"/>
-              <a:t>Restrições de versão do SQL Server. Erros e bugs do produto SQL Server.</a:t>
+              <a:t>Restrições de versão do SQL Server. Erros e bugs do produto SQL Server, assim como demais softwares do mercado.</a:t>
             </a:r>
           </a:p>
         </p:txBody>
@@ -14236,8 +14237,8 @@
         </p:nvSpPr>
         <p:spPr>
           <a:xfrm>
-            <a:off x="6255726" y="2828836"/>
-            <a:ext cx="2435468" cy="1446550"/>
+            <a:off x="6123842" y="2723329"/>
+            <a:ext cx="2435468" cy="1785104"/>
           </a:xfrm>
           <a:prstGeom prst="rect">
             <a:avLst/>
@@ -14253,7 +14254,7 @@
             <a:pPr algn="just"/>
             <a:r>
               <a:rPr lang="pt-BR" sz="1100" dirty="0"/>
-              <a:t>Vantagens: será mais simples e acessível ao usuário que as demais ferramentas de mercados que são obsoletas.</a:t>
+              <a:t>Vantagens: será mais simples e acessível ao usuário que as demais ferramentas de mercados que são obsoletas, buscando mostrar sempre com gráficos e relatórios as estatísticas do banco de dados.</a:t>
             </a:r>
           </a:p>
           <a:p>
@@ -14283,8 +14284,8 @@
         </p:nvSpPr>
         <p:spPr>
           <a:xfrm>
-            <a:off x="422032" y="1173889"/>
-            <a:ext cx="2435468" cy="1615827"/>
+            <a:off x="254982" y="989250"/>
+            <a:ext cx="2435468" cy="1954381"/>
           </a:xfrm>
           <a:prstGeom prst="rect">
             <a:avLst/>
@@ -14325,7 +14326,7 @@
             <a:pPr algn="just"/>
             <a:r>
               <a:rPr lang="pt-BR" sz="1100" dirty="0"/>
-              <a:t>Será necessário um desenvolvedor.</a:t>
+              <a:t>Será necessário desenvolvedores para desenvolvimento e suporte da aplicação.</a:t>
             </a:r>
           </a:p>
         </p:txBody>
@@ -14344,8 +14345,8 @@
         </p:nvSpPr>
         <p:spPr>
           <a:xfrm>
-            <a:off x="422032" y="3466846"/>
-            <a:ext cx="2435468" cy="1446550"/>
+            <a:off x="293791" y="3382834"/>
+            <a:ext cx="2435468" cy="1384995"/>
           </a:xfrm>
           <a:prstGeom prst="rect">
             <a:avLst/>
@@ -14360,32 +14361,32 @@
           <a:p>
             <a:pPr algn="just"/>
             <a:r>
-              <a:rPr lang="pt-BR" sz="1100" dirty="0"/>
+              <a:rPr lang="pt-BR" sz="1050" dirty="0"/>
               <a:t>Investimento:</a:t>
             </a:r>
           </a:p>
           <a:p>
             <a:pPr algn="just"/>
             <a:r>
-              <a:rPr lang="pt-BR" sz="1100" dirty="0"/>
-              <a:t>100 horas de desenvolvimento.</a:t>
+              <a:rPr lang="pt-BR" sz="1050" dirty="0"/>
+              <a:t>100 horas de desenvolvimento, tendo um aporte inicial de 5 mil reais.</a:t>
             </a:r>
           </a:p>
           <a:p>
             <a:pPr algn="just"/>
-            <a:endParaRPr lang="pt-BR" sz="1100" dirty="0"/>
+            <a:endParaRPr lang="pt-BR" sz="1050" dirty="0"/>
           </a:p>
           <a:p>
             <a:pPr algn="just"/>
             <a:r>
-              <a:rPr lang="pt-BR" sz="1100" dirty="0"/>
+              <a:rPr lang="pt-BR" sz="1050" dirty="0"/>
               <a:t>Retorno:</a:t>
             </a:r>
           </a:p>
           <a:p>
             <a:pPr algn="just"/>
             <a:r>
-              <a:rPr lang="pt-BR" sz="1100" dirty="0"/>
+              <a:rPr lang="pt-BR" sz="1050" dirty="0"/>
               <a:t>Mensalidade para licença do produto, sendo cobrado até 50 reais mensais, sendo possível estudar planos anuais</a:t>
             </a:r>
           </a:p>
@@ -14406,7 +14407,7 @@
         <p:spPr>
           <a:xfrm>
             <a:off x="422032" y="5631376"/>
-            <a:ext cx="8299936" cy="430887"/>
+            <a:ext cx="8299936" cy="600164"/>
           </a:xfrm>
           <a:prstGeom prst="rect">
             <a:avLst/>
@@ -14422,17 +14423,151 @@
             <a:pPr algn="just"/>
             <a:r>
               <a:rPr lang="pt-BR" sz="1100" dirty="0"/>
-              <a:t>Será feito o levantamento de requisitos, modelo de entidade e relacionamento, diagrama de classes e a partir disso será feito o desenvolvimento do produto, apresentando um total de 100 horas para desenvolvimento da aplicação </a:t>
+              <a:t>Será feito o levantamento de requisitos, modelo de entidade e relacionamento, diagrama de classes e a partir disso será feito o desenvolvimento do produto, apresentando um total de 100 horas para desenvolvimento da aplicação e teste, antes de iniciar a distribuição do software.</a:t>
             </a:r>
-            <a:r>
-              <a:rPr lang="pt-BR" sz="1100"/>
-              <a:t>e teste.</a:t>
-            </a:r>
-            <a:endParaRPr lang="pt-BR" sz="1100" dirty="0"/>
           </a:p>
         </p:txBody>
       </p:sp>
     </p:spTree>
+  </p:cSld>
+  <p:clrMapOvr>
+    <a:masterClrMapping/>
+  </p:clrMapOvr>
+</p:sld>
+</file>
+
+<file path=ppt/slides/slide3.xml><?xml version="1.0" encoding="utf-8"?>
+<p:sld xmlns:a="http://schemas.openxmlformats.org/drawingml/2006/main" xmlns:r="http://schemas.openxmlformats.org/officeDocument/2006/relationships" xmlns:p="http://schemas.openxmlformats.org/presentationml/2006/main">
+  <p:cSld>
+    <p:spTree>
+      <p:nvGrpSpPr>
+        <p:cNvPr id="1" name=""/>
+        <p:cNvGrpSpPr/>
+        <p:nvPr/>
+      </p:nvGrpSpPr>
+      <p:grpSpPr>
+        <a:xfrm>
+          <a:off x="0" y="0"/>
+          <a:ext cx="0" cy="0"/>
+          <a:chOff x="0" y="0"/>
+          <a:chExt cx="0" cy="0"/>
+        </a:xfrm>
+      </p:grpSpPr>
+      <p:sp>
+        <p:nvSpPr>
+          <p:cNvPr id="2" name="Título 1">
+            <a:extLst>
+              <a:ext uri="{FF2B5EF4-FFF2-40B4-BE49-F238E27FC236}">
+                <a16:creationId xmlns:a16="http://schemas.microsoft.com/office/drawing/2014/main" id="{804BD154-8126-4231-807F-DD95ABEF78C7}"/>
+              </a:ext>
+            </a:extLst>
+          </p:cNvPr>
+          <p:cNvSpPr>
+            <a:spLocks noGrp="1"/>
+          </p:cNvSpPr>
+          <p:nvPr>
+            <p:ph type="title"/>
+          </p:nvPr>
+        </p:nvSpPr>
+        <p:spPr/>
+        <p:txBody>
+          <a:bodyPr/>
+          <a:lstStyle/>
+          <a:p>
+            <a:r>
+              <a:rPr lang="pt-BR" dirty="0"/>
+              <a:t>Ferramentas de Mercado</a:t>
+            </a:r>
+          </a:p>
+        </p:txBody>
+      </p:sp>
+      <p:sp>
+        <p:nvSpPr>
+          <p:cNvPr id="3" name="Espaço Reservado para Texto 2">
+            <a:extLst>
+              <a:ext uri="{FF2B5EF4-FFF2-40B4-BE49-F238E27FC236}">
+                <a16:creationId xmlns:a16="http://schemas.microsoft.com/office/drawing/2014/main" id="{4B765D49-3BC7-4A2B-8EC7-BA9914417826}"/>
+              </a:ext>
+            </a:extLst>
+          </p:cNvPr>
+          <p:cNvSpPr>
+            <a:spLocks noGrp="1"/>
+          </p:cNvSpPr>
+          <p:nvPr>
+            <p:ph type="body" idx="1"/>
+          </p:nvPr>
+        </p:nvSpPr>
+        <p:spPr>
+          <a:xfrm>
+            <a:off x="457200" y="1600200"/>
+            <a:ext cx="8229600" cy="3437792"/>
+          </a:xfrm>
+        </p:spPr>
+        <p:txBody>
+          <a:bodyPr/>
+          <a:lstStyle/>
+          <a:p>
+            <a:r>
+              <a:rPr lang="pt-BR" sz="2400" dirty="0" err="1"/>
+              <a:t>DynaTrace</a:t>
+            </a:r>
+            <a:r>
+              <a:rPr lang="pt-BR" sz="2400" dirty="0"/>
+              <a:t> - 69 dólares mensais</a:t>
+            </a:r>
+          </a:p>
+          <a:p>
+            <a:r>
+              <a:rPr lang="pt-BR" sz="2400" dirty="0"/>
+              <a:t>PRTG Network Monitor - licença vitalícia 1.750 até 15.000 dólares;</a:t>
+            </a:r>
+          </a:p>
+          <a:p>
+            <a:r>
+              <a:rPr lang="pt-BR" sz="2400" dirty="0" err="1"/>
+              <a:t>Red</a:t>
+            </a:r>
+            <a:r>
+              <a:rPr lang="pt-BR" sz="2400" dirty="0"/>
+              <a:t> Gate (SQL Monitor) 1-4 servidores 1.565 dólares por ano (aproximadamente 130 dólares mensais);</a:t>
+            </a:r>
+          </a:p>
+          <a:p>
+            <a:r>
+              <a:rPr lang="pt-BR" sz="2400" dirty="0" err="1"/>
+              <a:t>SentryOne</a:t>
+            </a:r>
+            <a:r>
+              <a:rPr lang="pt-BR" sz="2400" dirty="0"/>
+              <a:t> - 468 dólares por ano (39 dólares mensais);</a:t>
+            </a:r>
+          </a:p>
+          <a:p>
+            <a:r>
+              <a:rPr lang="pt-BR" sz="2400" dirty="0" err="1"/>
+              <a:t>Idera</a:t>
+            </a:r>
+            <a:r>
+              <a:rPr lang="pt-BR" sz="2400" dirty="0"/>
+              <a:t> SQL </a:t>
+            </a:r>
+            <a:r>
+              <a:rPr lang="pt-BR" sz="2400" dirty="0" err="1"/>
+              <a:t>Diagnostic</a:t>
+            </a:r>
+            <a:r>
+              <a:rPr lang="pt-BR" sz="2400" dirty="0"/>
+              <a:t> Manager - licença vitalícia 1.996 dólares;</a:t>
+            </a:r>
+          </a:p>
+        </p:txBody>
+      </p:sp>
+    </p:spTree>
+    <p:extLst>
+      <p:ext uri="{BB962C8B-B14F-4D97-AF65-F5344CB8AC3E}">
+        <p14:creationId xmlns:p14="http://schemas.microsoft.com/office/powerpoint/2010/main" val="1125053840"/>
+      </p:ext>
+    </p:extLst>
   </p:cSld>
   <p:clrMapOvr>
     <a:masterClrMapping/>

--- a/docs/Apresentação Padrão.pptx
+++ b/docs/Apresentação Padrão.pptx
@@ -5,12 +5,13 @@
     <p:sldMasterId id="2147483659" r:id="rId1"/>
   </p:sldMasterIdLst>
   <p:notesMasterIdLst>
-    <p:notesMasterId r:id="rId5"/>
+    <p:notesMasterId r:id="rId6"/>
   </p:notesMasterIdLst>
   <p:sldIdLst>
     <p:sldId id="256" r:id="rId2"/>
     <p:sldId id="257" r:id="rId3"/>
     <p:sldId id="258" r:id="rId4"/>
+    <p:sldId id="259" r:id="rId5"/>
   </p:sldIdLst>
   <p:sldSz cx="9144000" cy="6858000" type="screen4x3"/>
   <p:notesSz cx="6858000" cy="9144000"/>
@@ -14346,7 +14347,7 @@
         <p:spPr>
           <a:xfrm>
             <a:off x="293791" y="3382834"/>
-            <a:ext cx="2435468" cy="1384995"/>
+            <a:ext cx="2435468" cy="1546577"/>
           </a:xfrm>
           <a:prstGeom prst="rect">
             <a:avLst/>
@@ -14387,7 +14388,7 @@
             <a:pPr algn="just"/>
             <a:r>
               <a:rPr lang="pt-BR" sz="1050" dirty="0"/>
-              <a:t>Mensalidade para licença do produto, sendo cobrado até 50 reais mensais, sendo possível estudar planos anuais</a:t>
+              <a:t>Mensalidade para licença do produto, sendo cobrado até 50 reais mensais	, sendo possível estudar planos anuais</a:t>
             </a:r>
           </a:p>
         </p:txBody>
@@ -14566,6 +14567,111 @@
     <p:extLst>
       <p:ext uri="{BB962C8B-B14F-4D97-AF65-F5344CB8AC3E}">
         <p14:creationId xmlns:p14="http://schemas.microsoft.com/office/powerpoint/2010/main" val="1125053840"/>
+      </p:ext>
+    </p:extLst>
+  </p:cSld>
+  <p:clrMapOvr>
+    <a:masterClrMapping/>
+  </p:clrMapOvr>
+</p:sld>
+</file>
+
+<file path=ppt/slides/slide4.xml><?xml version="1.0" encoding="utf-8"?>
+<p:sld xmlns:a="http://schemas.openxmlformats.org/drawingml/2006/main" xmlns:r="http://schemas.openxmlformats.org/officeDocument/2006/relationships" xmlns:p="http://schemas.openxmlformats.org/presentationml/2006/main">
+  <p:cSld>
+    <p:spTree>
+      <p:nvGrpSpPr>
+        <p:cNvPr id="1" name=""/>
+        <p:cNvGrpSpPr/>
+        <p:nvPr/>
+      </p:nvGrpSpPr>
+      <p:grpSpPr>
+        <a:xfrm>
+          <a:off x="0" y="0"/>
+          <a:ext cx="0" cy="0"/>
+          <a:chOff x="0" y="0"/>
+          <a:chExt cx="0" cy="0"/>
+        </a:xfrm>
+      </p:grpSpPr>
+      <p:sp>
+        <p:nvSpPr>
+          <p:cNvPr id="2" name="Título 1">
+            <a:extLst>
+              <a:ext uri="{FF2B5EF4-FFF2-40B4-BE49-F238E27FC236}">
+                <a16:creationId xmlns:a16="http://schemas.microsoft.com/office/drawing/2014/main" id="{C23F3D45-5A90-40C6-836E-B021F8C59884}"/>
+              </a:ext>
+            </a:extLst>
+          </p:cNvPr>
+          <p:cNvSpPr>
+            <a:spLocks noGrp="1"/>
+          </p:cNvSpPr>
+          <p:nvPr>
+            <p:ph type="title"/>
+          </p:nvPr>
+        </p:nvSpPr>
+        <p:spPr/>
+        <p:txBody>
+          <a:bodyPr/>
+          <a:lstStyle/>
+          <a:p>
+            <a:r>
+              <a:rPr lang="pt-BR" dirty="0"/>
+              <a:t>Aplicação</a:t>
+            </a:r>
+          </a:p>
+        </p:txBody>
+      </p:sp>
+      <p:sp>
+        <p:nvSpPr>
+          <p:cNvPr id="3" name="Espaço Reservado para Texto 2">
+            <a:extLst>
+              <a:ext uri="{FF2B5EF4-FFF2-40B4-BE49-F238E27FC236}">
+                <a16:creationId xmlns:a16="http://schemas.microsoft.com/office/drawing/2014/main" id="{8117AC21-F0FC-4B32-A455-64DAC315DC79}"/>
+              </a:ext>
+            </a:extLst>
+          </p:cNvPr>
+          <p:cNvSpPr>
+            <a:spLocks noGrp="1"/>
+          </p:cNvSpPr>
+          <p:nvPr>
+            <p:ph type="body" idx="1"/>
+          </p:nvPr>
+        </p:nvSpPr>
+        <p:spPr/>
+        <p:txBody>
+          <a:bodyPr/>
+          <a:lstStyle/>
+          <a:p>
+            <a:r>
+              <a:rPr lang="pt-BR" dirty="0"/>
+              <a:t>Nome: </a:t>
+            </a:r>
+            <a:r>
+              <a:rPr lang="pt-BR" dirty="0" err="1"/>
+              <a:t>sindex</a:t>
+            </a:r>
+            <a:endParaRPr lang="pt-BR" dirty="0"/>
+          </a:p>
+          <a:p>
+            <a:r>
+              <a:rPr lang="pt-BR" dirty="0"/>
+              <a:t>Público-alvo: desenvolvedores, analistas e </a:t>
+            </a:r>
+            <a:r>
+              <a:rPr lang="pt-BR" dirty="0" err="1"/>
+              <a:t>DBA’s</a:t>
+            </a:r>
+            <a:r>
+              <a:rPr lang="pt-BR"/>
+              <a:t>;</a:t>
+            </a:r>
+          </a:p>
+        </p:txBody>
+      </p:sp>
+    </p:spTree>
+    <p:extLst>
+      <p:ext uri="{BB962C8B-B14F-4D97-AF65-F5344CB8AC3E}">
+        <p14:creationId xmlns:p14="http://schemas.microsoft.com/office/powerpoint/2010/main" val="3089458077"/>
       </p:ext>
     </p:extLst>
   </p:cSld>
